--- a/DoubtMate Docs/DM_PPT.pptx
+++ b/DoubtMate Docs/DM_PPT.pptx
@@ -9,12 +9,13 @@
     <p:sldId id="257" r:id="rId3"/>
     <p:sldId id="263" r:id="rId4"/>
     <p:sldId id="264" r:id="rId5"/>
-    <p:sldId id="258" r:id="rId6"/>
-    <p:sldId id="259" r:id="rId7"/>
-    <p:sldId id="260" r:id="rId8"/>
-    <p:sldId id="261" r:id="rId9"/>
-    <p:sldId id="262" r:id="rId10"/>
-    <p:sldId id="265" r:id="rId11"/>
+    <p:sldId id="266" r:id="rId6"/>
+    <p:sldId id="258" r:id="rId7"/>
+    <p:sldId id="259" r:id="rId8"/>
+    <p:sldId id="260" r:id="rId9"/>
+    <p:sldId id="261" r:id="rId10"/>
+    <p:sldId id="262" r:id="rId11"/>
+    <p:sldId id="265" r:id="rId12"/>
   </p:sldIdLst>
   <p:sldSz cx="12192000" cy="6858000"/>
   <p:notesSz cx="6858000" cy="9144000"/>
@@ -252,7 +253,7 @@
           <a:p>
             <a:fld id="{DA90C41A-8B3F-44BE-976C-5D16B5AB9BBD}" type="datetimeFigureOut">
               <a:rPr lang="en-IN" smtClean="0"/>
-              <a:t>12-10-2024</a:t>
+              <a:t>14-10-2024</a:t>
             </a:fld>
             <a:endParaRPr lang="en-IN"/>
           </a:p>
@@ -422,7 +423,7 @@
           <a:p>
             <a:fld id="{DA90C41A-8B3F-44BE-976C-5D16B5AB9BBD}" type="datetimeFigureOut">
               <a:rPr lang="en-IN" smtClean="0"/>
-              <a:t>12-10-2024</a:t>
+              <a:t>14-10-2024</a:t>
             </a:fld>
             <a:endParaRPr lang="en-IN"/>
           </a:p>
@@ -602,7 +603,7 @@
           <a:p>
             <a:fld id="{DA90C41A-8B3F-44BE-976C-5D16B5AB9BBD}" type="datetimeFigureOut">
               <a:rPr lang="en-IN" smtClean="0"/>
-              <a:t>12-10-2024</a:t>
+              <a:t>14-10-2024</a:t>
             </a:fld>
             <a:endParaRPr lang="en-IN"/>
           </a:p>
@@ -772,7 +773,7 @@
           <a:p>
             <a:fld id="{DA90C41A-8B3F-44BE-976C-5D16B5AB9BBD}" type="datetimeFigureOut">
               <a:rPr lang="en-IN" smtClean="0"/>
-              <a:t>12-10-2024</a:t>
+              <a:t>14-10-2024</a:t>
             </a:fld>
             <a:endParaRPr lang="en-IN"/>
           </a:p>
@@ -1018,7 +1019,7 @@
           <a:p>
             <a:fld id="{DA90C41A-8B3F-44BE-976C-5D16B5AB9BBD}" type="datetimeFigureOut">
               <a:rPr lang="en-IN" smtClean="0"/>
-              <a:t>12-10-2024</a:t>
+              <a:t>14-10-2024</a:t>
             </a:fld>
             <a:endParaRPr lang="en-IN"/>
           </a:p>
@@ -1250,7 +1251,7 @@
           <a:p>
             <a:fld id="{DA90C41A-8B3F-44BE-976C-5D16B5AB9BBD}" type="datetimeFigureOut">
               <a:rPr lang="en-IN" smtClean="0"/>
-              <a:t>12-10-2024</a:t>
+              <a:t>14-10-2024</a:t>
             </a:fld>
             <a:endParaRPr lang="en-IN"/>
           </a:p>
@@ -1617,7 +1618,7 @@
           <a:p>
             <a:fld id="{DA90C41A-8B3F-44BE-976C-5D16B5AB9BBD}" type="datetimeFigureOut">
               <a:rPr lang="en-IN" smtClean="0"/>
-              <a:t>12-10-2024</a:t>
+              <a:t>14-10-2024</a:t>
             </a:fld>
             <a:endParaRPr lang="en-IN"/>
           </a:p>
@@ -1735,7 +1736,7 @@
           <a:p>
             <a:fld id="{DA90C41A-8B3F-44BE-976C-5D16B5AB9BBD}" type="datetimeFigureOut">
               <a:rPr lang="en-IN" smtClean="0"/>
-              <a:t>12-10-2024</a:t>
+              <a:t>14-10-2024</a:t>
             </a:fld>
             <a:endParaRPr lang="en-IN"/>
           </a:p>
@@ -1830,7 +1831,7 @@
           <a:p>
             <a:fld id="{DA90C41A-8B3F-44BE-976C-5D16B5AB9BBD}" type="datetimeFigureOut">
               <a:rPr lang="en-IN" smtClean="0"/>
-              <a:t>12-10-2024</a:t>
+              <a:t>14-10-2024</a:t>
             </a:fld>
             <a:endParaRPr lang="en-IN"/>
           </a:p>
@@ -2107,7 +2108,7 @@
           <a:p>
             <a:fld id="{DA90C41A-8B3F-44BE-976C-5D16B5AB9BBD}" type="datetimeFigureOut">
               <a:rPr lang="en-IN" smtClean="0"/>
-              <a:t>12-10-2024</a:t>
+              <a:t>14-10-2024</a:t>
             </a:fld>
             <a:endParaRPr lang="en-IN"/>
           </a:p>
@@ -2360,7 +2361,7 @@
           <a:p>
             <a:fld id="{DA90C41A-8B3F-44BE-976C-5D16B5AB9BBD}" type="datetimeFigureOut">
               <a:rPr lang="en-IN" smtClean="0"/>
-              <a:t>12-10-2024</a:t>
+              <a:t>14-10-2024</a:t>
             </a:fld>
             <a:endParaRPr lang="en-IN"/>
           </a:p>
@@ -2573,7 +2574,7 @@
           <a:p>
             <a:fld id="{DA90C41A-8B3F-44BE-976C-5D16B5AB9BBD}" type="datetimeFigureOut">
               <a:rPr lang="en-IN" smtClean="0"/>
-              <a:t>12-10-2024</a:t>
+              <a:t>14-10-2024</a:t>
             </a:fld>
             <a:endParaRPr lang="en-IN"/>
           </a:p>
@@ -3387,6 +3388,182 @@
         </p:nvSpPr>
         <p:spPr>
           <a:xfrm>
+            <a:off x="815546" y="354228"/>
+            <a:ext cx="5947719" cy="769441"/>
+          </a:xfrm>
+          <a:prstGeom prst="rect">
+            <a:avLst/>
+          </a:prstGeom>
+          <a:noFill/>
+        </p:spPr>
+        <p:txBody>
+          <a:bodyPr wrap="square" rtlCol="0">
+            <a:spAutoFit/>
+          </a:bodyPr>
+          <a:lstStyle/>
+          <a:p>
+            <a:r>
+              <a:rPr lang="en-IN" sz="4400" dirty="0" smtClean="0">
+                <a:solidFill>
+                  <a:schemeClr val="accent1">
+                    <a:lumMod val="50000"/>
+                  </a:schemeClr>
+                </a:solidFill>
+                <a:latin typeface="Bahnschrift" panose="020B0502040204020203" pitchFamily="34" charset="0"/>
+              </a:rPr>
+              <a:t>Live Video Conference</a:t>
+            </a:r>
+            <a:endParaRPr lang="en-IN" sz="4400" dirty="0">
+              <a:solidFill>
+                <a:schemeClr val="accent1">
+                  <a:lumMod val="50000"/>
+                </a:schemeClr>
+              </a:solidFill>
+              <a:latin typeface="Bahnschrift" panose="020B0502040204020203" pitchFamily="34" charset="0"/>
+            </a:endParaRPr>
+          </a:p>
+        </p:txBody>
+      </p:sp>
+      <p:sp>
+        <p:nvSpPr>
+          <p:cNvPr id="4" name="TextBox 3"/>
+          <p:cNvSpPr txBox="1"/>
+          <p:nvPr/>
+        </p:nvSpPr>
+        <p:spPr>
+          <a:xfrm>
+            <a:off x="1705233" y="1262453"/>
+            <a:ext cx="9267568" cy="461665"/>
+          </a:xfrm>
+          <a:prstGeom prst="rect">
+            <a:avLst/>
+          </a:prstGeom>
+          <a:noFill/>
+        </p:spPr>
+        <p:txBody>
+          <a:bodyPr wrap="square" rtlCol="0">
+            <a:spAutoFit/>
+          </a:bodyPr>
+          <a:lstStyle/>
+          <a:p>
+            <a:pPr marL="285750" indent="-285750">
+              <a:buFont typeface="Arial" panose="020B0604020202020204" pitchFamily="34" charset="0"/>
+              <a:buChar char="•"/>
+            </a:pPr>
+            <a:r>
+              <a:rPr lang="en-IN" sz="2400" dirty="0" smtClean="0">
+                <a:solidFill>
+                  <a:schemeClr val="accent2">
+                    <a:lumMod val="50000"/>
+                  </a:schemeClr>
+                </a:solidFill>
+                <a:latin typeface="Bahnschrift" panose="020B0502040204020203" pitchFamily="34" charset="0"/>
+              </a:rPr>
+              <a:t>The Teachers can host a lecture or a doubt session for students</a:t>
+            </a:r>
+            <a:endParaRPr lang="en-IN" sz="2400" dirty="0">
+              <a:solidFill>
+                <a:schemeClr val="accent2">
+                  <a:lumMod val="50000"/>
+                </a:schemeClr>
+              </a:solidFill>
+              <a:latin typeface="Bahnschrift" panose="020B0502040204020203" pitchFamily="34" charset="0"/>
+            </a:endParaRPr>
+          </a:p>
+        </p:txBody>
+      </p:sp>
+      <p:pic>
+        <p:nvPicPr>
+          <p:cNvPr id="7" name="Picture 6"/>
+          <p:cNvPicPr>
+            <a:picLocks noChangeAspect="1"/>
+          </p:cNvPicPr>
+          <p:nvPr/>
+        </p:nvPicPr>
+        <p:blipFill>
+          <a:blip r:embed="rId3" cstate="print">
+            <a:extLst>
+              <a:ext uri="{28A0092B-C50C-407E-A947-70E740481C1C}">
+                <a14:useLocalDpi xmlns:a14="http://schemas.microsoft.com/office/drawing/2010/main" val="0"/>
+              </a:ext>
+            </a:extLst>
+          </a:blip>
+          <a:stretch>
+            <a:fillRect/>
+          </a:stretch>
+        </p:blipFill>
+        <p:spPr>
+          <a:xfrm>
+            <a:off x="2213919" y="2090584"/>
+            <a:ext cx="8250195" cy="4125098"/>
+          </a:xfrm>
+          <a:prstGeom prst="rect">
+            <a:avLst/>
+          </a:prstGeom>
+        </p:spPr>
+      </p:pic>
+    </p:spTree>
+    <p:extLst>
+      <p:ext uri="{BB962C8B-B14F-4D97-AF65-F5344CB8AC3E}">
+        <p14:creationId xmlns:p14="http://schemas.microsoft.com/office/powerpoint/2010/main" val="1691619212"/>
+      </p:ext>
+    </p:extLst>
+  </p:cSld>
+  <p:clrMapOvr>
+    <a:masterClrMapping/>
+  </p:clrMapOvr>
+</p:sld>
+</file>
+
+<file path=ppt/slides/slide11.xml><?xml version="1.0" encoding="utf-8"?>
+<p:sld xmlns:a="http://schemas.openxmlformats.org/drawingml/2006/main" xmlns:r="http://schemas.openxmlformats.org/officeDocument/2006/relationships" xmlns:p="http://schemas.openxmlformats.org/presentationml/2006/main">
+  <p:cSld>
+    <p:spTree>
+      <p:nvGrpSpPr>
+        <p:cNvPr id="1" name=""/>
+        <p:cNvGrpSpPr/>
+        <p:nvPr/>
+      </p:nvGrpSpPr>
+      <p:grpSpPr>
+        <a:xfrm>
+          <a:off x="0" y="0"/>
+          <a:ext cx="0" cy="0"/>
+          <a:chOff x="0" y="0"/>
+          <a:chExt cx="0" cy="0"/>
+        </a:xfrm>
+      </p:grpSpPr>
+      <p:pic>
+        <p:nvPicPr>
+          <p:cNvPr id="2" name="Picture 1"/>
+          <p:cNvPicPr>
+            <a:picLocks noChangeAspect="1"/>
+          </p:cNvPicPr>
+          <p:nvPr/>
+        </p:nvPicPr>
+        <p:blipFill>
+          <a:blip r:embed="rId2"/>
+          <a:stretch>
+            <a:fillRect/>
+          </a:stretch>
+        </p:blipFill>
+        <p:spPr>
+          <a:xfrm>
+            <a:off x="0" y="0"/>
+            <a:ext cx="12192000" cy="6858000"/>
+          </a:xfrm>
+          <a:prstGeom prst="rect">
+            <a:avLst/>
+          </a:prstGeom>
+        </p:spPr>
+      </p:pic>
+      <p:sp>
+        <p:nvSpPr>
+          <p:cNvPr id="3" name="TextBox 2"/>
+          <p:cNvSpPr txBox="1"/>
+          <p:nvPr/>
+        </p:nvSpPr>
+        <p:spPr>
+          <a:xfrm>
             <a:off x="659028" y="352378"/>
             <a:ext cx="4794421" cy="769441"/>
           </a:xfrm>
@@ -4494,7 +4671,7 @@
             <a:r>
               <a:rPr lang="en-IN" sz="4400" dirty="0" smtClean="0">
                 <a:solidFill>
-                  <a:schemeClr val="accent1">
+                  <a:schemeClr val="accent5">
                     <a:lumMod val="50000"/>
                   </a:schemeClr>
                 </a:solidFill>
@@ -4504,7 +4681,7 @@
             </a:r>
             <a:endParaRPr lang="en-IN" sz="4400" dirty="0">
               <a:solidFill>
-                <a:schemeClr val="accent1">
+                <a:schemeClr val="accent5">
                   <a:lumMod val="50000"/>
                 </a:schemeClr>
               </a:solidFill>
@@ -4814,6 +4991,511 @@
 </file>
 
 <file path=ppt/slides/slide5.xml><?xml version="1.0" encoding="utf-8"?>
+<p:sld xmlns:a="http://schemas.openxmlformats.org/drawingml/2006/main" xmlns:r="http://schemas.openxmlformats.org/officeDocument/2006/relationships" xmlns:p="http://schemas.openxmlformats.org/presentationml/2006/main">
+  <p:cSld>
+    <p:spTree>
+      <p:nvGrpSpPr>
+        <p:cNvPr id="1" name=""/>
+        <p:cNvGrpSpPr/>
+        <p:nvPr/>
+      </p:nvGrpSpPr>
+      <p:grpSpPr>
+        <a:xfrm>
+          <a:off x="0" y="0"/>
+          <a:ext cx="0" cy="0"/>
+          <a:chOff x="0" y="0"/>
+          <a:chExt cx="0" cy="0"/>
+        </a:xfrm>
+      </p:grpSpPr>
+      <p:pic>
+        <p:nvPicPr>
+          <p:cNvPr id="2" name="Picture 1"/>
+          <p:cNvPicPr>
+            <a:picLocks noChangeAspect="1"/>
+          </p:cNvPicPr>
+          <p:nvPr/>
+        </p:nvPicPr>
+        <p:blipFill>
+          <a:blip r:embed="rId2"/>
+          <a:stretch>
+            <a:fillRect/>
+          </a:stretch>
+        </p:blipFill>
+        <p:spPr>
+          <a:xfrm>
+            <a:off x="0" y="0"/>
+            <a:ext cx="12192000" cy="6858000"/>
+          </a:xfrm>
+          <a:prstGeom prst="rect">
+            <a:avLst/>
+          </a:prstGeom>
+        </p:spPr>
+      </p:pic>
+      <p:sp>
+        <p:nvSpPr>
+          <p:cNvPr id="3" name="TextBox 2"/>
+          <p:cNvSpPr txBox="1"/>
+          <p:nvPr/>
+        </p:nvSpPr>
+        <p:spPr>
+          <a:xfrm>
+            <a:off x="988541" y="395416"/>
+            <a:ext cx="4448432" cy="769441"/>
+          </a:xfrm>
+          <a:prstGeom prst="rect">
+            <a:avLst/>
+          </a:prstGeom>
+          <a:noFill/>
+        </p:spPr>
+        <p:txBody>
+          <a:bodyPr wrap="square" rtlCol="0">
+            <a:spAutoFit/>
+          </a:bodyPr>
+          <a:lstStyle/>
+          <a:p>
+            <a:r>
+              <a:rPr lang="en-IN" sz="4400" dirty="0" smtClean="0">
+                <a:solidFill>
+                  <a:schemeClr val="accent5">
+                    <a:lumMod val="50000"/>
+                  </a:schemeClr>
+                </a:solidFill>
+                <a:latin typeface="Bahnschrift" panose="020B0502040204020203" pitchFamily="34" charset="0"/>
+              </a:rPr>
+              <a:t>Modules</a:t>
+            </a:r>
+            <a:endParaRPr lang="en-IN" sz="4400" dirty="0">
+              <a:solidFill>
+                <a:schemeClr val="accent5">
+                  <a:lumMod val="50000"/>
+                </a:schemeClr>
+              </a:solidFill>
+              <a:latin typeface="Bahnschrift" panose="020B0502040204020203" pitchFamily="34" charset="0"/>
+            </a:endParaRPr>
+          </a:p>
+        </p:txBody>
+      </p:sp>
+      <p:sp>
+        <p:nvSpPr>
+          <p:cNvPr id="7" name="Rectangle 6"/>
+          <p:cNvSpPr/>
+          <p:nvPr/>
+        </p:nvSpPr>
+        <p:spPr>
+          <a:xfrm>
+            <a:off x="2080054" y="1164857"/>
+            <a:ext cx="8604422" cy="5358518"/>
+          </a:xfrm>
+          <a:prstGeom prst="rect">
+            <a:avLst/>
+          </a:prstGeom>
+        </p:spPr>
+        <p:txBody>
+          <a:bodyPr wrap="square">
+            <a:spAutoFit/>
+          </a:bodyPr>
+          <a:lstStyle/>
+          <a:p>
+            <a:pPr marL="285750" indent="-285750">
+              <a:lnSpc>
+                <a:spcPct val="107000"/>
+              </a:lnSpc>
+              <a:spcAft>
+                <a:spcPts val="800"/>
+              </a:spcAft>
+              <a:buFont typeface="Wingdings" panose="05000000000000000000" pitchFamily="2" charset="2"/>
+              <a:buChar char="q"/>
+            </a:pPr>
+            <a:r>
+              <a:rPr lang="en-US" b="1" dirty="0">
+                <a:solidFill>
+                  <a:schemeClr val="accent2">
+                    <a:lumMod val="50000"/>
+                  </a:schemeClr>
+                </a:solidFill>
+                <a:latin typeface="Bahnschrift" panose="020B0502040204020203" pitchFamily="34" charset="0"/>
+                <a:ea typeface="Calibri" panose="020F0502020204030204" pitchFamily="34" charset="0"/>
+                <a:cs typeface="Arial" panose="020B0604020202020204" pitchFamily="34" charset="0"/>
+              </a:rPr>
+              <a:t>Student Module:</a:t>
+            </a:r>
+            <a:endParaRPr lang="en-IN" dirty="0">
+              <a:solidFill>
+                <a:schemeClr val="accent2">
+                  <a:lumMod val="50000"/>
+                </a:schemeClr>
+              </a:solidFill>
+              <a:latin typeface="Bahnschrift" panose="020B0502040204020203" pitchFamily="34" charset="0"/>
+              <a:ea typeface="Calibri" panose="020F0502020204030204" pitchFamily="34" charset="0"/>
+              <a:cs typeface="Arial" panose="020B0604020202020204" pitchFamily="34" charset="0"/>
+            </a:endParaRPr>
+          </a:p>
+          <a:p>
+            <a:pPr marL="342900" lvl="0" indent="-342900">
+              <a:lnSpc>
+                <a:spcPct val="107000"/>
+              </a:lnSpc>
+              <a:spcAft>
+                <a:spcPts val="800"/>
+              </a:spcAft>
+              <a:buFont typeface="Times New Roman" panose="02020603050405020304" pitchFamily="18" charset="0"/>
+              <a:buChar char="•"/>
+              <a:tabLst>
+                <a:tab pos="457200" algn="l"/>
+              </a:tabLst>
+            </a:pPr>
+            <a:r>
+              <a:rPr lang="en-US" dirty="0">
+                <a:solidFill>
+                  <a:schemeClr val="accent2">
+                    <a:lumMod val="50000"/>
+                  </a:schemeClr>
+                </a:solidFill>
+                <a:latin typeface="Bahnschrift" panose="020B0502040204020203" pitchFamily="34" charset="0"/>
+                <a:ea typeface="Calibri" panose="020F0502020204030204" pitchFamily="34" charset="0"/>
+                <a:cs typeface="Arial" panose="020B0604020202020204" pitchFamily="34" charset="0"/>
+              </a:rPr>
+              <a:t>Students can post questions, share notes, and join private study groups for collaboration.</a:t>
+            </a:r>
+            <a:endParaRPr lang="en-IN" dirty="0">
+              <a:solidFill>
+                <a:schemeClr val="accent2">
+                  <a:lumMod val="50000"/>
+                </a:schemeClr>
+              </a:solidFill>
+              <a:latin typeface="Bahnschrift" panose="020B0502040204020203" pitchFamily="34" charset="0"/>
+              <a:ea typeface="Calibri" panose="020F0502020204030204" pitchFamily="34" charset="0"/>
+              <a:cs typeface="Arial" panose="020B0604020202020204" pitchFamily="34" charset="0"/>
+            </a:endParaRPr>
+          </a:p>
+          <a:p>
+            <a:pPr marL="342900" lvl="0" indent="-342900">
+              <a:lnSpc>
+                <a:spcPct val="107000"/>
+              </a:lnSpc>
+              <a:spcAft>
+                <a:spcPts val="800"/>
+              </a:spcAft>
+              <a:buFont typeface="Times New Roman" panose="02020603050405020304" pitchFamily="18" charset="0"/>
+              <a:buChar char="•"/>
+              <a:tabLst>
+                <a:tab pos="457200" algn="l"/>
+              </a:tabLst>
+            </a:pPr>
+            <a:r>
+              <a:rPr lang="en-US" dirty="0">
+                <a:solidFill>
+                  <a:schemeClr val="accent2">
+                    <a:lumMod val="50000"/>
+                  </a:schemeClr>
+                </a:solidFill>
+                <a:latin typeface="Bahnschrift" panose="020B0502040204020203" pitchFamily="34" charset="0"/>
+                <a:ea typeface="Calibri" panose="020F0502020204030204" pitchFamily="34" charset="0"/>
+                <a:cs typeface="Arial" panose="020B0604020202020204" pitchFamily="34" charset="0"/>
+              </a:rPr>
+              <a:t>They can </a:t>
+            </a:r>
+            <a:r>
+              <a:rPr lang="en-US" dirty="0" err="1">
+                <a:solidFill>
+                  <a:schemeClr val="accent2">
+                    <a:lumMod val="50000"/>
+                  </a:schemeClr>
+                </a:solidFill>
+                <a:latin typeface="Bahnschrift" panose="020B0502040204020203" pitchFamily="34" charset="0"/>
+                <a:ea typeface="Calibri" panose="020F0502020204030204" pitchFamily="34" charset="0"/>
+                <a:cs typeface="Arial" panose="020B0604020202020204" pitchFamily="34" charset="0"/>
+              </a:rPr>
+              <a:t>upvote</a:t>
+            </a:r>
+            <a:r>
+              <a:rPr lang="en-US" dirty="0">
+                <a:solidFill>
+                  <a:schemeClr val="accent2">
+                    <a:lumMod val="50000"/>
+                  </a:schemeClr>
+                </a:solidFill>
+                <a:latin typeface="Bahnschrift" panose="020B0502040204020203" pitchFamily="34" charset="0"/>
+                <a:ea typeface="Calibri" panose="020F0502020204030204" pitchFamily="34" charset="0"/>
+                <a:cs typeface="Arial" panose="020B0604020202020204" pitchFamily="34" charset="0"/>
+              </a:rPr>
+              <a:t> or </a:t>
+            </a:r>
+            <a:r>
+              <a:rPr lang="en-US" dirty="0" err="1">
+                <a:solidFill>
+                  <a:schemeClr val="accent2">
+                    <a:lumMod val="50000"/>
+                  </a:schemeClr>
+                </a:solidFill>
+                <a:latin typeface="Bahnschrift" panose="020B0502040204020203" pitchFamily="34" charset="0"/>
+                <a:ea typeface="Calibri" panose="020F0502020204030204" pitchFamily="34" charset="0"/>
+                <a:cs typeface="Arial" panose="020B0604020202020204" pitchFamily="34" charset="0"/>
+              </a:rPr>
+              <a:t>downvote</a:t>
+            </a:r>
+            <a:r>
+              <a:rPr lang="en-US" dirty="0">
+                <a:solidFill>
+                  <a:schemeClr val="accent2">
+                    <a:lumMod val="50000"/>
+                  </a:schemeClr>
+                </a:solidFill>
+                <a:latin typeface="Bahnschrift" panose="020B0502040204020203" pitchFamily="34" charset="0"/>
+                <a:ea typeface="Calibri" panose="020F0502020204030204" pitchFamily="34" charset="0"/>
+                <a:cs typeface="Arial" panose="020B0604020202020204" pitchFamily="34" charset="0"/>
+              </a:rPr>
+              <a:t> questions and answers and participate in live video doubt-clearing sessions.</a:t>
+            </a:r>
+            <a:endParaRPr lang="en-IN" dirty="0">
+              <a:solidFill>
+                <a:schemeClr val="accent2">
+                  <a:lumMod val="50000"/>
+                </a:schemeClr>
+              </a:solidFill>
+              <a:latin typeface="Bahnschrift" panose="020B0502040204020203" pitchFamily="34" charset="0"/>
+              <a:ea typeface="Calibri" panose="020F0502020204030204" pitchFamily="34" charset="0"/>
+              <a:cs typeface="Arial" panose="020B0604020202020204" pitchFamily="34" charset="0"/>
+            </a:endParaRPr>
+          </a:p>
+          <a:p>
+            <a:pPr marL="285750" indent="-285750">
+              <a:lnSpc>
+                <a:spcPct val="107000"/>
+              </a:lnSpc>
+              <a:spcAft>
+                <a:spcPts val="800"/>
+              </a:spcAft>
+              <a:buFont typeface="Wingdings" panose="05000000000000000000" pitchFamily="2" charset="2"/>
+              <a:buChar char="q"/>
+            </a:pPr>
+            <a:r>
+              <a:rPr lang="en-US" b="1" dirty="0">
+                <a:solidFill>
+                  <a:schemeClr val="accent2">
+                    <a:lumMod val="50000"/>
+                  </a:schemeClr>
+                </a:solidFill>
+                <a:latin typeface="Bahnschrift" panose="020B0502040204020203" pitchFamily="34" charset="0"/>
+                <a:ea typeface="Calibri" panose="020F0502020204030204" pitchFamily="34" charset="0"/>
+                <a:cs typeface="Arial" panose="020B0604020202020204" pitchFamily="34" charset="0"/>
+              </a:rPr>
+              <a:t>Teacher Module:</a:t>
+            </a:r>
+            <a:endParaRPr lang="en-IN" dirty="0">
+              <a:solidFill>
+                <a:schemeClr val="accent2">
+                  <a:lumMod val="50000"/>
+                </a:schemeClr>
+              </a:solidFill>
+              <a:latin typeface="Bahnschrift" panose="020B0502040204020203" pitchFamily="34" charset="0"/>
+              <a:ea typeface="Calibri" panose="020F0502020204030204" pitchFamily="34" charset="0"/>
+              <a:cs typeface="Arial" panose="020B0604020202020204" pitchFamily="34" charset="0"/>
+            </a:endParaRPr>
+          </a:p>
+          <a:p>
+            <a:pPr marL="342900" lvl="0" indent="-342900">
+              <a:lnSpc>
+                <a:spcPct val="107000"/>
+              </a:lnSpc>
+              <a:spcAft>
+                <a:spcPts val="800"/>
+              </a:spcAft>
+              <a:buFont typeface="Times New Roman" panose="02020603050405020304" pitchFamily="18" charset="0"/>
+              <a:buChar char="•"/>
+              <a:tabLst>
+                <a:tab pos="457200" algn="l"/>
+              </a:tabLst>
+            </a:pPr>
+            <a:r>
+              <a:rPr lang="en-US" dirty="0">
+                <a:solidFill>
+                  <a:schemeClr val="accent2">
+                    <a:lumMod val="50000"/>
+                  </a:schemeClr>
+                </a:solidFill>
+                <a:latin typeface="Bahnschrift" panose="020B0502040204020203" pitchFamily="34" charset="0"/>
+                <a:ea typeface="Calibri" panose="020F0502020204030204" pitchFamily="34" charset="0"/>
+                <a:cs typeface="Arial" panose="020B0604020202020204" pitchFamily="34" charset="0"/>
+              </a:rPr>
+              <a:t>Teachers can respond to student questions, share academic resources, and create/moderate private study groups.</a:t>
+            </a:r>
+            <a:endParaRPr lang="en-IN" dirty="0">
+              <a:solidFill>
+                <a:schemeClr val="accent2">
+                  <a:lumMod val="50000"/>
+                </a:schemeClr>
+              </a:solidFill>
+              <a:latin typeface="Bahnschrift" panose="020B0502040204020203" pitchFamily="34" charset="0"/>
+              <a:ea typeface="Calibri" panose="020F0502020204030204" pitchFamily="34" charset="0"/>
+              <a:cs typeface="Arial" panose="020B0604020202020204" pitchFamily="34" charset="0"/>
+            </a:endParaRPr>
+          </a:p>
+          <a:p>
+            <a:pPr marL="342900" lvl="0" indent="-342900">
+              <a:lnSpc>
+                <a:spcPct val="107000"/>
+              </a:lnSpc>
+              <a:spcAft>
+                <a:spcPts val="800"/>
+              </a:spcAft>
+              <a:buFont typeface="Times New Roman" panose="02020603050405020304" pitchFamily="18" charset="0"/>
+              <a:buChar char="•"/>
+              <a:tabLst>
+                <a:tab pos="457200" algn="l"/>
+              </a:tabLst>
+            </a:pPr>
+            <a:r>
+              <a:rPr lang="en-US" dirty="0">
+                <a:solidFill>
+                  <a:schemeClr val="accent2">
+                    <a:lumMod val="50000"/>
+                  </a:schemeClr>
+                </a:solidFill>
+                <a:latin typeface="Bahnschrift" panose="020B0502040204020203" pitchFamily="34" charset="0"/>
+                <a:ea typeface="Calibri" panose="020F0502020204030204" pitchFamily="34" charset="0"/>
+                <a:cs typeface="Arial" panose="020B0604020202020204" pitchFamily="34" charset="0"/>
+              </a:rPr>
+              <a:t>They also host live video sessions for interactive teaching and resolving student doubts.</a:t>
+            </a:r>
+            <a:endParaRPr lang="en-IN" dirty="0">
+              <a:solidFill>
+                <a:schemeClr val="accent2">
+                  <a:lumMod val="50000"/>
+                </a:schemeClr>
+              </a:solidFill>
+              <a:latin typeface="Bahnschrift" panose="020B0502040204020203" pitchFamily="34" charset="0"/>
+              <a:ea typeface="Calibri" panose="020F0502020204030204" pitchFamily="34" charset="0"/>
+              <a:cs typeface="Arial" panose="020B0604020202020204" pitchFamily="34" charset="0"/>
+            </a:endParaRPr>
+          </a:p>
+          <a:p>
+            <a:pPr marL="285750" indent="-285750">
+              <a:lnSpc>
+                <a:spcPct val="107000"/>
+              </a:lnSpc>
+              <a:spcAft>
+                <a:spcPts val="800"/>
+              </a:spcAft>
+              <a:buFont typeface="Wingdings" panose="05000000000000000000" pitchFamily="2" charset="2"/>
+              <a:buChar char="q"/>
+            </a:pPr>
+            <a:r>
+              <a:rPr lang="en-US" b="1" dirty="0">
+                <a:solidFill>
+                  <a:schemeClr val="accent2">
+                    <a:lumMod val="50000"/>
+                  </a:schemeClr>
+                </a:solidFill>
+                <a:latin typeface="Bahnschrift" panose="020B0502040204020203" pitchFamily="34" charset="0"/>
+                <a:ea typeface="Calibri" panose="020F0502020204030204" pitchFamily="34" charset="0"/>
+                <a:cs typeface="Arial" panose="020B0604020202020204" pitchFamily="34" charset="0"/>
+              </a:rPr>
+              <a:t>Admin Module:</a:t>
+            </a:r>
+            <a:endParaRPr lang="en-IN" dirty="0">
+              <a:solidFill>
+                <a:schemeClr val="accent2">
+                  <a:lumMod val="50000"/>
+                </a:schemeClr>
+              </a:solidFill>
+              <a:latin typeface="Bahnschrift" panose="020B0502040204020203" pitchFamily="34" charset="0"/>
+              <a:ea typeface="Calibri" panose="020F0502020204030204" pitchFamily="34" charset="0"/>
+              <a:cs typeface="Arial" panose="020B0604020202020204" pitchFamily="34" charset="0"/>
+            </a:endParaRPr>
+          </a:p>
+          <a:p>
+            <a:pPr marL="342900" lvl="0" indent="-342900">
+              <a:lnSpc>
+                <a:spcPct val="107000"/>
+              </a:lnSpc>
+              <a:spcAft>
+                <a:spcPts val="800"/>
+              </a:spcAft>
+              <a:buFont typeface="Times New Roman" panose="02020603050405020304" pitchFamily="18" charset="0"/>
+              <a:buChar char="•"/>
+              <a:tabLst>
+                <a:tab pos="457200" algn="l"/>
+              </a:tabLst>
+            </a:pPr>
+            <a:r>
+              <a:rPr lang="en-US" dirty="0">
+                <a:solidFill>
+                  <a:schemeClr val="accent2">
+                    <a:lumMod val="50000"/>
+                  </a:schemeClr>
+                </a:solidFill>
+                <a:latin typeface="Bahnschrift" panose="020B0502040204020203" pitchFamily="34" charset="0"/>
+                <a:ea typeface="Calibri" panose="020F0502020204030204" pitchFamily="34" charset="0"/>
+                <a:cs typeface="Arial" panose="020B0604020202020204" pitchFamily="34" charset="0"/>
+              </a:rPr>
+              <a:t>Admins monitor the platform’s content to ensure it follows academic standards, moderating or deleting inappropriate posts.</a:t>
+            </a:r>
+            <a:endParaRPr lang="en-IN" dirty="0">
+              <a:solidFill>
+                <a:schemeClr val="accent2">
+                  <a:lumMod val="50000"/>
+                </a:schemeClr>
+              </a:solidFill>
+              <a:latin typeface="Bahnschrift" panose="020B0502040204020203" pitchFamily="34" charset="0"/>
+              <a:ea typeface="Calibri" panose="020F0502020204030204" pitchFamily="34" charset="0"/>
+              <a:cs typeface="Arial" panose="020B0604020202020204" pitchFamily="34" charset="0"/>
+            </a:endParaRPr>
+          </a:p>
+          <a:p>
+            <a:pPr marL="342900" lvl="0" indent="-342900">
+              <a:lnSpc>
+                <a:spcPct val="107000"/>
+              </a:lnSpc>
+              <a:spcAft>
+                <a:spcPts val="800"/>
+              </a:spcAft>
+              <a:buFont typeface="Times New Roman" panose="02020603050405020304" pitchFamily="18" charset="0"/>
+              <a:buChar char="•"/>
+              <a:tabLst>
+                <a:tab pos="457200" algn="l"/>
+              </a:tabLst>
+            </a:pPr>
+            <a:r>
+              <a:rPr lang="en-US" dirty="0">
+                <a:solidFill>
+                  <a:schemeClr val="accent2">
+                    <a:lumMod val="50000"/>
+                  </a:schemeClr>
+                </a:solidFill>
+                <a:latin typeface="Bahnschrift" panose="020B0502040204020203" pitchFamily="34" charset="0"/>
+                <a:ea typeface="Calibri" panose="020F0502020204030204" pitchFamily="34" charset="0"/>
+                <a:cs typeface="Arial" panose="020B0604020202020204" pitchFamily="34" charset="0"/>
+              </a:rPr>
+              <a:t>They manage flagged content, user accounts, permissions, and ensure smooth platform functioning.</a:t>
+            </a:r>
+            <a:endParaRPr lang="en-IN" dirty="0">
+              <a:solidFill>
+                <a:schemeClr val="accent2">
+                  <a:lumMod val="50000"/>
+                </a:schemeClr>
+              </a:solidFill>
+              <a:latin typeface="Bahnschrift" panose="020B0502040204020203" pitchFamily="34" charset="0"/>
+              <a:ea typeface="Calibri" panose="020F0502020204030204" pitchFamily="34" charset="0"/>
+              <a:cs typeface="Arial" panose="020B0604020202020204" pitchFamily="34" charset="0"/>
+            </a:endParaRPr>
+          </a:p>
+        </p:txBody>
+      </p:sp>
+    </p:spTree>
+    <p:extLst>
+      <p:ext uri="{BB962C8B-B14F-4D97-AF65-F5344CB8AC3E}">
+        <p14:creationId xmlns:p14="http://schemas.microsoft.com/office/powerpoint/2010/main" val="654604190"/>
+      </p:ext>
+    </p:extLst>
+  </p:cSld>
+  <p:clrMapOvr>
+    <a:masterClrMapping/>
+  </p:clrMapOvr>
+</p:sld>
+</file>
+
+<file path=ppt/slides/slide6.xml><?xml version="1.0" encoding="utf-8"?>
 <p:sld xmlns:a="http://schemas.openxmlformats.org/drawingml/2006/main" xmlns:r="http://schemas.openxmlformats.org/officeDocument/2006/relationships" xmlns:p="http://schemas.openxmlformats.org/presentationml/2006/main">
   <p:cSld>
     <p:spTree>
@@ -5132,7 +5814,7 @@
 </p:sld>
 </file>
 
-<file path=ppt/slides/slide6.xml><?xml version="1.0" encoding="utf-8"?>
+<file path=ppt/slides/slide7.xml><?xml version="1.0" encoding="utf-8"?>
 <p:sld xmlns:a="http://schemas.openxmlformats.org/drawingml/2006/main" xmlns:r="http://schemas.openxmlformats.org/officeDocument/2006/relationships" xmlns:p="http://schemas.openxmlformats.org/presentationml/2006/main">
   <p:cSld>
     <p:spTree>
@@ -5480,7 +6162,7 @@
 </p:sld>
 </file>
 
-<file path=ppt/slides/slide7.xml><?xml version="1.0" encoding="utf-8"?>
+<file path=ppt/slides/slide8.xml><?xml version="1.0" encoding="utf-8"?>
 <p:sld xmlns:a="http://schemas.openxmlformats.org/drawingml/2006/main" xmlns:r="http://schemas.openxmlformats.org/officeDocument/2006/relationships" xmlns:p="http://schemas.openxmlformats.org/presentationml/2006/main">
   <p:cSld>
     <p:spTree>
@@ -5712,7 +6394,7 @@
 </p:sld>
 </file>
 
-<file path=ppt/slides/slide8.xml><?xml version="1.0" encoding="utf-8"?>
+<file path=ppt/slides/slide9.xml><?xml version="1.0" encoding="utf-8"?>
 <p:sld xmlns:a="http://schemas.openxmlformats.org/drawingml/2006/main" xmlns:r="http://schemas.openxmlformats.org/officeDocument/2006/relationships" xmlns:p="http://schemas.openxmlformats.org/presentationml/2006/main">
   <p:cSld>
     <p:spTree>
@@ -5875,182 +6557,6 @@
     <p:extLst>
       <p:ext uri="{BB962C8B-B14F-4D97-AF65-F5344CB8AC3E}">
         <p14:creationId xmlns:p14="http://schemas.microsoft.com/office/powerpoint/2010/main" val="461599891"/>
-      </p:ext>
-    </p:extLst>
-  </p:cSld>
-  <p:clrMapOvr>
-    <a:masterClrMapping/>
-  </p:clrMapOvr>
-</p:sld>
-</file>
-
-<file path=ppt/slides/slide9.xml><?xml version="1.0" encoding="utf-8"?>
-<p:sld xmlns:a="http://schemas.openxmlformats.org/drawingml/2006/main" xmlns:r="http://schemas.openxmlformats.org/officeDocument/2006/relationships" xmlns:p="http://schemas.openxmlformats.org/presentationml/2006/main">
-  <p:cSld>
-    <p:spTree>
-      <p:nvGrpSpPr>
-        <p:cNvPr id="1" name=""/>
-        <p:cNvGrpSpPr/>
-        <p:nvPr/>
-      </p:nvGrpSpPr>
-      <p:grpSpPr>
-        <a:xfrm>
-          <a:off x="0" y="0"/>
-          <a:ext cx="0" cy="0"/>
-          <a:chOff x="0" y="0"/>
-          <a:chExt cx="0" cy="0"/>
-        </a:xfrm>
-      </p:grpSpPr>
-      <p:pic>
-        <p:nvPicPr>
-          <p:cNvPr id="2" name="Picture 1"/>
-          <p:cNvPicPr>
-            <a:picLocks noChangeAspect="1"/>
-          </p:cNvPicPr>
-          <p:nvPr/>
-        </p:nvPicPr>
-        <p:blipFill>
-          <a:blip r:embed="rId2"/>
-          <a:stretch>
-            <a:fillRect/>
-          </a:stretch>
-        </p:blipFill>
-        <p:spPr>
-          <a:xfrm>
-            <a:off x="0" y="0"/>
-            <a:ext cx="12192000" cy="6858000"/>
-          </a:xfrm>
-          <a:prstGeom prst="rect">
-            <a:avLst/>
-          </a:prstGeom>
-        </p:spPr>
-      </p:pic>
-      <p:sp>
-        <p:nvSpPr>
-          <p:cNvPr id="3" name="TextBox 2"/>
-          <p:cNvSpPr txBox="1"/>
-          <p:nvPr/>
-        </p:nvSpPr>
-        <p:spPr>
-          <a:xfrm>
-            <a:off x="815546" y="354228"/>
-            <a:ext cx="5947719" cy="769441"/>
-          </a:xfrm>
-          <a:prstGeom prst="rect">
-            <a:avLst/>
-          </a:prstGeom>
-          <a:noFill/>
-        </p:spPr>
-        <p:txBody>
-          <a:bodyPr wrap="square" rtlCol="0">
-            <a:spAutoFit/>
-          </a:bodyPr>
-          <a:lstStyle/>
-          <a:p>
-            <a:r>
-              <a:rPr lang="en-IN" sz="4400" dirty="0" smtClean="0">
-                <a:solidFill>
-                  <a:schemeClr val="accent1">
-                    <a:lumMod val="50000"/>
-                  </a:schemeClr>
-                </a:solidFill>
-                <a:latin typeface="Bahnschrift" panose="020B0502040204020203" pitchFamily="34" charset="0"/>
-              </a:rPr>
-              <a:t>Live Video Conference</a:t>
-            </a:r>
-            <a:endParaRPr lang="en-IN" sz="4400" dirty="0">
-              <a:solidFill>
-                <a:schemeClr val="accent1">
-                  <a:lumMod val="50000"/>
-                </a:schemeClr>
-              </a:solidFill>
-              <a:latin typeface="Bahnschrift" panose="020B0502040204020203" pitchFamily="34" charset="0"/>
-            </a:endParaRPr>
-          </a:p>
-        </p:txBody>
-      </p:sp>
-      <p:sp>
-        <p:nvSpPr>
-          <p:cNvPr id="4" name="TextBox 3"/>
-          <p:cNvSpPr txBox="1"/>
-          <p:nvPr/>
-        </p:nvSpPr>
-        <p:spPr>
-          <a:xfrm>
-            <a:off x="1705233" y="1262453"/>
-            <a:ext cx="9267568" cy="461665"/>
-          </a:xfrm>
-          <a:prstGeom prst="rect">
-            <a:avLst/>
-          </a:prstGeom>
-          <a:noFill/>
-        </p:spPr>
-        <p:txBody>
-          <a:bodyPr wrap="square" rtlCol="0">
-            <a:spAutoFit/>
-          </a:bodyPr>
-          <a:lstStyle/>
-          <a:p>
-            <a:pPr marL="285750" indent="-285750">
-              <a:buFont typeface="Arial" panose="020B0604020202020204" pitchFamily="34" charset="0"/>
-              <a:buChar char="•"/>
-            </a:pPr>
-            <a:r>
-              <a:rPr lang="en-IN" sz="2400" dirty="0" smtClean="0">
-                <a:solidFill>
-                  <a:schemeClr val="accent2">
-                    <a:lumMod val="50000"/>
-                  </a:schemeClr>
-                </a:solidFill>
-                <a:latin typeface="Bahnschrift" panose="020B0502040204020203" pitchFamily="34" charset="0"/>
-              </a:rPr>
-              <a:t>The Teachers can host a lecture or a doubt session for students</a:t>
-            </a:r>
-            <a:endParaRPr lang="en-IN" sz="2400" dirty="0">
-              <a:solidFill>
-                <a:schemeClr val="accent2">
-                  <a:lumMod val="50000"/>
-                </a:schemeClr>
-              </a:solidFill>
-              <a:latin typeface="Bahnschrift" panose="020B0502040204020203" pitchFamily="34" charset="0"/>
-            </a:endParaRPr>
-          </a:p>
-        </p:txBody>
-      </p:sp>
-      <p:pic>
-        <p:nvPicPr>
-          <p:cNvPr id="7" name="Picture 6"/>
-          <p:cNvPicPr>
-            <a:picLocks noChangeAspect="1"/>
-          </p:cNvPicPr>
-          <p:nvPr/>
-        </p:nvPicPr>
-        <p:blipFill>
-          <a:blip r:embed="rId3" cstate="print">
-            <a:extLst>
-              <a:ext uri="{28A0092B-C50C-407E-A947-70E740481C1C}">
-                <a14:useLocalDpi xmlns:a14="http://schemas.microsoft.com/office/drawing/2010/main" val="0"/>
-              </a:ext>
-            </a:extLst>
-          </a:blip>
-          <a:stretch>
-            <a:fillRect/>
-          </a:stretch>
-        </p:blipFill>
-        <p:spPr>
-          <a:xfrm>
-            <a:off x="2213919" y="2090584"/>
-            <a:ext cx="8250195" cy="4125098"/>
-          </a:xfrm>
-          <a:prstGeom prst="rect">
-            <a:avLst/>
-          </a:prstGeom>
-        </p:spPr>
-      </p:pic>
-    </p:spTree>
-    <p:extLst>
-      <p:ext uri="{BB962C8B-B14F-4D97-AF65-F5344CB8AC3E}">
-        <p14:creationId xmlns:p14="http://schemas.microsoft.com/office/powerpoint/2010/main" val="1691619212"/>
       </p:ext>
     </p:extLst>
   </p:cSld>

--- a/DoubtMate Docs/DM_PPT.pptx
+++ b/DoubtMate Docs/DM_PPT.pptx
@@ -253,7 +253,7 @@
           <a:p>
             <a:fld id="{DA90C41A-8B3F-44BE-976C-5D16B5AB9BBD}" type="datetimeFigureOut">
               <a:rPr lang="en-IN" smtClean="0"/>
-              <a:t>14-10-2024</a:t>
+              <a:t>15-10-2024</a:t>
             </a:fld>
             <a:endParaRPr lang="en-IN"/>
           </a:p>
@@ -423,7 +423,7 @@
           <a:p>
             <a:fld id="{DA90C41A-8B3F-44BE-976C-5D16B5AB9BBD}" type="datetimeFigureOut">
               <a:rPr lang="en-IN" smtClean="0"/>
-              <a:t>14-10-2024</a:t>
+              <a:t>15-10-2024</a:t>
             </a:fld>
             <a:endParaRPr lang="en-IN"/>
           </a:p>
@@ -603,7 +603,7 @@
           <a:p>
             <a:fld id="{DA90C41A-8B3F-44BE-976C-5D16B5AB9BBD}" type="datetimeFigureOut">
               <a:rPr lang="en-IN" smtClean="0"/>
-              <a:t>14-10-2024</a:t>
+              <a:t>15-10-2024</a:t>
             </a:fld>
             <a:endParaRPr lang="en-IN"/>
           </a:p>
@@ -773,7 +773,7 @@
           <a:p>
             <a:fld id="{DA90C41A-8B3F-44BE-976C-5D16B5AB9BBD}" type="datetimeFigureOut">
               <a:rPr lang="en-IN" smtClean="0"/>
-              <a:t>14-10-2024</a:t>
+              <a:t>15-10-2024</a:t>
             </a:fld>
             <a:endParaRPr lang="en-IN"/>
           </a:p>
@@ -1019,7 +1019,7 @@
           <a:p>
             <a:fld id="{DA90C41A-8B3F-44BE-976C-5D16B5AB9BBD}" type="datetimeFigureOut">
               <a:rPr lang="en-IN" smtClean="0"/>
-              <a:t>14-10-2024</a:t>
+              <a:t>15-10-2024</a:t>
             </a:fld>
             <a:endParaRPr lang="en-IN"/>
           </a:p>
@@ -1251,7 +1251,7 @@
           <a:p>
             <a:fld id="{DA90C41A-8B3F-44BE-976C-5D16B5AB9BBD}" type="datetimeFigureOut">
               <a:rPr lang="en-IN" smtClean="0"/>
-              <a:t>14-10-2024</a:t>
+              <a:t>15-10-2024</a:t>
             </a:fld>
             <a:endParaRPr lang="en-IN"/>
           </a:p>
@@ -1618,7 +1618,7 @@
           <a:p>
             <a:fld id="{DA90C41A-8B3F-44BE-976C-5D16B5AB9BBD}" type="datetimeFigureOut">
               <a:rPr lang="en-IN" smtClean="0"/>
-              <a:t>14-10-2024</a:t>
+              <a:t>15-10-2024</a:t>
             </a:fld>
             <a:endParaRPr lang="en-IN"/>
           </a:p>
@@ -1736,7 +1736,7 @@
           <a:p>
             <a:fld id="{DA90C41A-8B3F-44BE-976C-5D16B5AB9BBD}" type="datetimeFigureOut">
               <a:rPr lang="en-IN" smtClean="0"/>
-              <a:t>14-10-2024</a:t>
+              <a:t>15-10-2024</a:t>
             </a:fld>
             <a:endParaRPr lang="en-IN"/>
           </a:p>
@@ -1831,7 +1831,7 @@
           <a:p>
             <a:fld id="{DA90C41A-8B3F-44BE-976C-5D16B5AB9BBD}" type="datetimeFigureOut">
               <a:rPr lang="en-IN" smtClean="0"/>
-              <a:t>14-10-2024</a:t>
+              <a:t>15-10-2024</a:t>
             </a:fld>
             <a:endParaRPr lang="en-IN"/>
           </a:p>
@@ -2108,7 +2108,7 @@
           <a:p>
             <a:fld id="{DA90C41A-8B3F-44BE-976C-5D16B5AB9BBD}" type="datetimeFigureOut">
               <a:rPr lang="en-IN" smtClean="0"/>
-              <a:t>14-10-2024</a:t>
+              <a:t>15-10-2024</a:t>
             </a:fld>
             <a:endParaRPr lang="en-IN"/>
           </a:p>
@@ -2361,7 +2361,7 @@
           <a:p>
             <a:fld id="{DA90C41A-8B3F-44BE-976C-5D16B5AB9BBD}" type="datetimeFigureOut">
               <a:rPr lang="en-IN" smtClean="0"/>
-              <a:t>14-10-2024</a:t>
+              <a:t>15-10-2024</a:t>
             </a:fld>
             <a:endParaRPr lang="en-IN"/>
           </a:p>
@@ -2574,7 +2574,7 @@
           <a:p>
             <a:fld id="{DA90C41A-8B3F-44BE-976C-5D16B5AB9BBD}" type="datetimeFigureOut">
               <a:rPr lang="en-IN" smtClean="0"/>
-              <a:t>14-10-2024</a:t>
+              <a:t>15-10-2024</a:t>
             </a:fld>
             <a:endParaRPr lang="en-IN"/>
           </a:p>
@@ -3188,153 +3188,20 @@
   <p:clrMapOvr>
     <a:masterClrMapping/>
   </p:clrMapOvr>
-  <mc:AlternateContent xmlns:mc="http://schemas.openxmlformats.org/markup-compatibility/2006" xmlns:p14="http://schemas.microsoft.com/office/powerpoint/2010/main">
-    <mc:Choice Requires="p14">
-      <p:transition p14:dur="0"/>
+  <mc:AlternateContent xmlns:mc="http://schemas.openxmlformats.org/markup-compatibility/2006">
+    <mc:Choice xmlns:p14="http://schemas.microsoft.com/office/powerpoint/2010/main" Requires="p14">
+      <p:transition p14:dur="10"/>
     </mc:Choice>
-    <mc:Fallback xmlns="">
+    <mc:Fallback>
       <p:transition/>
     </mc:Fallback>
   </mc:AlternateContent>
   <p:timing>
     <p:tnLst>
       <p:par>
-        <p:cTn id="1" dur="indefinite" restart="never" nodeType="tmRoot">
-          <p:childTnLst>
-            <p:seq concurrent="1" nextAc="seek">
-              <p:cTn id="2" dur="indefinite" nodeType="mainSeq">
-                <p:childTnLst>
-                  <p:par>
-                    <p:cTn id="3" fill="hold">
-                      <p:stCondLst>
-                        <p:cond delay="indefinite"/>
-                      </p:stCondLst>
-                      <p:childTnLst>
-                        <p:par>
-                          <p:cTn id="4" fill="hold">
-                            <p:stCondLst>
-                              <p:cond delay="0"/>
-                            </p:stCondLst>
-                            <p:childTnLst>
-                              <p:par>
-                                <p:cTn id="5" presetID="16" presetClass="entr" presetSubtype="21" fill="hold" grpId="0" nodeType="clickEffect">
-                                  <p:stCondLst>
-                                    <p:cond delay="0"/>
-                                  </p:stCondLst>
-                                  <p:childTnLst>
-                                    <p:set>
-                                      <p:cBhvr>
-                                        <p:cTn id="6" dur="1" fill="hold">
-                                          <p:stCondLst>
-                                            <p:cond delay="0"/>
-                                          </p:stCondLst>
-                                        </p:cTn>
-                                        <p:tgtEl>
-                                          <p:spTgt spid="5"/>
-                                        </p:tgtEl>
-                                        <p:attrNameLst>
-                                          <p:attrName>style.visibility</p:attrName>
-                                        </p:attrNameLst>
-                                      </p:cBhvr>
-                                      <p:to>
-                                        <p:strVal val="visible"/>
-                                      </p:to>
-                                    </p:set>
-                                    <p:animEffect transition="in" filter="barn(inVertical)">
-                                      <p:cBhvr>
-                                        <p:cTn id="7" dur="500"/>
-                                        <p:tgtEl>
-                                          <p:spTgt spid="5"/>
-                                        </p:tgtEl>
-                                      </p:cBhvr>
-                                    </p:animEffect>
-                                  </p:childTnLst>
-                                </p:cTn>
-                              </p:par>
-                            </p:childTnLst>
-                          </p:cTn>
-                        </p:par>
-                      </p:childTnLst>
-                    </p:cTn>
-                  </p:par>
-                  <p:par>
-                    <p:cTn id="8" fill="hold">
-                      <p:stCondLst>
-                        <p:cond delay="indefinite"/>
-                      </p:stCondLst>
-                      <p:childTnLst>
-                        <p:par>
-                          <p:cTn id="9" fill="hold">
-                            <p:stCondLst>
-                              <p:cond delay="0"/>
-                            </p:stCondLst>
-                            <p:childTnLst>
-                              <p:par>
-                                <p:cTn id="10" presetID="10" presetClass="entr" presetSubtype="0" fill="hold" grpId="0" nodeType="clickEffect">
-                                  <p:stCondLst>
-                                    <p:cond delay="0"/>
-                                  </p:stCondLst>
-                                  <p:childTnLst>
-                                    <p:set>
-                                      <p:cBhvr>
-                                        <p:cTn id="11" dur="1" fill="hold">
-                                          <p:stCondLst>
-                                            <p:cond delay="0"/>
-                                          </p:stCondLst>
-                                        </p:cTn>
-                                        <p:tgtEl>
-                                          <p:spTgt spid="8"/>
-                                        </p:tgtEl>
-                                        <p:attrNameLst>
-                                          <p:attrName>style.visibility</p:attrName>
-                                        </p:attrNameLst>
-                                      </p:cBhvr>
-                                      <p:to>
-                                        <p:strVal val="visible"/>
-                                      </p:to>
-                                    </p:set>
-                                    <p:animEffect transition="in" filter="fade">
-                                      <p:cBhvr>
-                                        <p:cTn id="12" dur="500"/>
-                                        <p:tgtEl>
-                                          <p:spTgt spid="8"/>
-                                        </p:tgtEl>
-                                      </p:cBhvr>
-                                    </p:animEffect>
-                                  </p:childTnLst>
-                                </p:cTn>
-                              </p:par>
-                            </p:childTnLst>
-                          </p:cTn>
-                        </p:par>
-                      </p:childTnLst>
-                    </p:cTn>
-                  </p:par>
-                </p:childTnLst>
-              </p:cTn>
-              <p:prevCondLst>
-                <p:cond evt="onPrev" delay="0">
-                  <p:tgtEl>
-                    <p:sldTgt/>
-                  </p:tgtEl>
-                </p:cond>
-              </p:prevCondLst>
-              <p:nextCondLst>
-                <p:cond evt="onNext" delay="0">
-                  <p:tgtEl>
-                    <p:sldTgt/>
-                  </p:tgtEl>
-                </p:cond>
-              </p:nextCondLst>
-            </p:seq>
-          </p:childTnLst>
-        </p:cTn>
+        <p:cTn id="1" dur="indefinite" restart="never" nodeType="tmRoot"/>
       </p:par>
     </p:tnLst>
-    <p:bldLst>
-      <p:bldP spid="5" grpId="0"/>
-      <p:bldP spid="8" grpId="0"/>
-    </p:bldLst>
   </p:timing>
 </p:sld>
 </file>
@@ -3512,6 +3379,13 @@
   <p:clrMapOvr>
     <a:masterClrMapping/>
   </p:clrMapOvr>
+  <p:timing>
+    <p:tnLst>
+      <p:par>
+        <p:cTn id="1" dur="indefinite" restart="never" nodeType="tmRoot"/>
+      </p:par>
+    </p:tnLst>
+  </p:timing>
 </p:sld>
 </file>
 
@@ -4086,6 +3960,13 @@
   <p:clrMapOvr>
     <a:masterClrMapping/>
   </p:clrMapOvr>
+  <p:timing>
+    <p:tnLst>
+      <p:par>
+        <p:cTn id="1" dur="indefinite" restart="never" nodeType="tmRoot"/>
+      </p:par>
+    </p:tnLst>
+  </p:timing>
 </p:sld>
 </file>
 
@@ -4602,6 +4483,13 @@
   <p:clrMapOvr>
     <a:masterClrMapping/>
   </p:clrMapOvr>
+  <p:timing>
+    <p:tnLst>
+      <p:par>
+        <p:cTn id="1" dur="indefinite" restart="never" nodeType="tmRoot"/>
+      </p:par>
+    </p:tnLst>
+  </p:timing>
 </p:sld>
 </file>
 
@@ -4956,15 +4844,15 @@
               <a:t>Firebase </a:t>
             </a:r>
             <a:r>
-              <a:rPr lang="en-IN" sz="2400" dirty="0" err="1" smtClean="0">
-                <a:solidFill>
-                  <a:schemeClr val="accent2">
-                    <a:lumMod val="50000"/>
-                  </a:schemeClr>
-                </a:solidFill>
-                <a:latin typeface="Bahnschrift" panose="020B0502040204020203" pitchFamily="34" charset="0"/>
-              </a:rPr>
-              <a:t>Strorage</a:t>
+              <a:rPr lang="en-IN" sz="2400" dirty="0" smtClean="0">
+                <a:solidFill>
+                  <a:schemeClr val="accent2">
+                    <a:lumMod val="50000"/>
+                  </a:schemeClr>
+                </a:solidFill>
+                <a:latin typeface="Bahnschrift" panose="020B0502040204020203" pitchFamily="34" charset="0"/>
+              </a:rPr>
+              <a:t>Storage</a:t>
             </a:r>
             <a:endParaRPr lang="en-IN" sz="2400" dirty="0" smtClean="0">
               <a:solidFill>
@@ -4987,6 +4875,13 @@
   <p:clrMapOvr>
     <a:masterClrMapping/>
   </p:clrMapOvr>
+  <p:timing>
+    <p:tnLst>
+      <p:par>
+        <p:cTn id="1" dur="indefinite" restart="never" nodeType="tmRoot"/>
+      </p:par>
+    </p:tnLst>
+  </p:timing>
 </p:sld>
 </file>
 
@@ -5023,7 +4918,7 @@
         </p:blipFill>
         <p:spPr>
           <a:xfrm>
-            <a:off x="0" y="0"/>
+            <a:off x="0" y="8238"/>
             <a:ext cx="12192000" cy="6858000"/>
           </a:xfrm>
           <a:prstGeom prst="rect">
@@ -5492,6 +5387,13 @@
   <p:clrMapOvr>
     <a:masterClrMapping/>
   </p:clrMapOvr>
+  <p:timing>
+    <p:tnLst>
+      <p:par>
+        <p:cTn id="1" dur="indefinite" restart="never" nodeType="tmRoot"/>
+      </p:par>
+    </p:tnLst>
+  </p:timing>
 </p:sld>
 </file>
 
@@ -5811,6 +5713,13 @@
   <p:clrMapOvr>
     <a:masterClrMapping/>
   </p:clrMapOvr>
+  <p:timing>
+    <p:tnLst>
+      <p:par>
+        <p:cTn id="1" dur="indefinite" restart="never" nodeType="tmRoot"/>
+      </p:par>
+    </p:tnLst>
+  </p:timing>
 </p:sld>
 </file>
 
@@ -6159,6 +6068,13 @@
   <p:clrMapOvr>
     <a:masterClrMapping/>
   </p:clrMapOvr>
+  <p:timing>
+    <p:tnLst>
+      <p:par>
+        <p:cTn id="1" dur="indefinite" restart="never" nodeType="tmRoot"/>
+      </p:par>
+    </p:tnLst>
+  </p:timing>
 </p:sld>
 </file>
 
@@ -6391,6 +6307,13 @@
   <p:clrMapOvr>
     <a:masterClrMapping/>
   </p:clrMapOvr>
+  <p:timing>
+    <p:tnLst>
+      <p:par>
+        <p:cTn id="1" dur="indefinite" restart="never" nodeType="tmRoot"/>
+      </p:par>
+    </p:tnLst>
+  </p:timing>
 </p:sld>
 </file>
 
@@ -6563,6 +6486,13 @@
   <p:clrMapOvr>
     <a:masterClrMapping/>
   </p:clrMapOvr>
+  <p:timing>
+    <p:tnLst>
+      <p:par>
+        <p:cTn id="1" dur="indefinite" restart="never" nodeType="tmRoot"/>
+      </p:par>
+    </p:tnLst>
+  </p:timing>
 </p:sld>
 </file>
 
